--- a/Final-Poster.pptx
+++ b/Final-Poster.pptx
@@ -129,7 +129,7 @@
 <file path=ppt/revisionInfo.xml><?xml version="1.0" encoding="utf-8"?>
 <p1510:revInfo xmlns:a="http://schemas.openxmlformats.org/drawingml/2006/main" xmlns:r="http://schemas.openxmlformats.org/officeDocument/2006/relationships" xmlns:p1510="http://schemas.microsoft.com/office/powerpoint/2015/10/main">
   <p1510:revLst>
-    <p1510:client id="{5801917F-C75A-DC5C-2220-2E26AE0AAF67}" v="5366" dt="2019-12-16T06:24:30.083"/>
+    <p1510:client id="{5801917F-C75A-DC5C-2220-2E26AE0AAF67}" v="5401" dt="2019-12-16T07:02:07.454"/>
   </p1510:revLst>
 </p1510:revInfo>
 </file>
@@ -3312,16 +3312,12 @@
           </a:p>
           <a:p>
             <a:r>
+              <a:rPr lang="en-US" sz="3600"/>
+              <a:t>The dataset I used in this research is from the Global Health Data Exchange</a:t>
+            </a:r>
+            <a:r>
               <a:rPr lang="en-US" sz="3600" dirty="0"/>
-              <a:t>The dataset I used in this research is from "", and includes the years 1990-2017 with the DALY measure for depression, anxiety, drug abuse, and bipolar disorders in the United States for </a:t>
-            </a:r>
-            <a:r>
-              <a:rPr lang="en-US" sz="3600"/>
-              <a:t>persons aged 20-24. My method was to use drug abuse DALY as a single regressor </a:t>
-            </a:r>
-            <a:r>
-              <a:rPr lang="en-US" sz="3600" dirty="0"/>
-              <a:t>to forecast depression DALY. I began by fitting a linear model to the data but found that Arima model would fit better. I fit an arima model using drug abuse DALY as a single regressor and found it to be more accurate than the linear model. After fitting the Arima model I checked models that use 0 lag, 1 lag, 2 lag and 3 lag to see if any lag on the predictor variable would improve the model. The final forecast will be using the lag 0 and lag 1 models as regressors with the next 20 years of drug abuse DALY set to the last recorded measure (736407).</a:t>
+              <a:t>, and includes the years 1990-2017 with the DALY measure for depression, anxiety, drug abuse, and bipolar disorders in the United States for persons aged 20-24. My method was to use drug abuse DALY as a single regressor to forecast depression DALY. I began by fitting a linear model to the data but found that Arima model would fit better. I fit an arima model using drug abuse DALY as a single regressor and found it to be more accurate than the linear model. After fitting the Arima model I checked models that use 0 lag, 1 lag, 2 lag and 3 lag to see if any lag on the predictor variable would improve the model. The final forecast will be using the lag 0 and lag 1 models as regressors with the next 20 years of drug abuse DALY set to the last recorded measure (736407).</a:t>
             </a:r>
             <a:endParaRPr lang="en-US" sz="3600" dirty="0">
               <a:cs typeface="Calibri"/>
@@ -3891,7 +3887,7 @@
         <p:spPr>
           <a:xfrm>
             <a:off x="31160184" y="14872617"/>
-            <a:ext cx="12013933" cy="5293757"/>
+            <a:ext cx="12013933" cy="6401753"/>
           </a:xfrm>
           <a:prstGeom prst="rect">
             <a:avLst/>
@@ -3971,6 +3967,31 @@
                 <a:hlinkClick r:id="rId7"/>
               </a:rPr>
               <a:t>https://en.wikipedia.org/wiki/Disability-adjusted_life_year</a:t>
+            </a:r>
+            <a:endParaRPr lang="en-US" sz="3600" dirty="0">
+              <a:cs typeface="Calibri"/>
+            </a:endParaRPr>
+          </a:p>
+          <a:p>
+            <a:r>
+              <a:rPr lang="en-US" sz="3600" dirty="0">
+                <a:cs typeface="Calibri"/>
+              </a:rPr>
+              <a:t>3.  </a:t>
+            </a:r>
+            <a:r>
+              <a:rPr lang="en-US" sz="3600">
+                <a:ea typeface="+mn-lt"/>
+                <a:cs typeface="+mn-lt"/>
+              </a:rPr>
+              <a:t>GBD Results Tool | GHDx. (2019) from </a:t>
+            </a:r>
+            <a:r>
+              <a:rPr lang="en-US" sz="3600" dirty="0">
+                <a:ea typeface="+mn-lt"/>
+                <a:cs typeface="+mn-lt"/>
+              </a:rPr>
+              <a:t>http://ghdx.healthdata.org/gbd-results-tool</a:t>
             </a:r>
             <a:endParaRPr lang="en-US" sz="3600" dirty="0">
               <a:cs typeface="Calibri"/>
